--- a/中越詩歌/讚美耶穌_Tôn Vinh Chúa Tôi.pptx
+++ b/中越詩歌/讚美耶穌_Tôn Vinh Chúa Tôi.pptx
@@ -136,6 +136,11 @@
       </a:defRPr>
     </a:lvl9pPr>
   </p:defaultTextStyle>
+  <p:extLst>
+    <p:ext uri="{EFAFB233-063F-42B5-8137-9DF3F51BA10A}">
+      <p15:sldGuideLst xmlns:p15="http://schemas.microsoft.com/office/powerpoint/2012/main"/>
+    </p:ext>
+  </p:extLst>
 </p:presentation>
 </file>
 
@@ -320,7 +325,7 @@
           <a:p>
             <a:fld id="{2CBEE1A7-D161-40B5-A5AF-45D1A6BBC527}" type="datetimeFigureOut">
               <a:rPr lang="vi-VN" smtClean="0"/>
-              <a:t>31/12/2022</a:t>
+              <a:t>08/04/2023</a:t>
             </a:fld>
             <a:endParaRPr lang="vi-VN"/>
           </a:p>
@@ -490,7 +495,7 @@
           <a:p>
             <a:fld id="{2CBEE1A7-D161-40B5-A5AF-45D1A6BBC527}" type="datetimeFigureOut">
               <a:rPr lang="vi-VN" smtClean="0"/>
-              <a:t>31/12/2022</a:t>
+              <a:t>08/04/2023</a:t>
             </a:fld>
             <a:endParaRPr lang="vi-VN"/>
           </a:p>
@@ -670,7 +675,7 @@
           <a:p>
             <a:fld id="{2CBEE1A7-D161-40B5-A5AF-45D1A6BBC527}" type="datetimeFigureOut">
               <a:rPr lang="vi-VN" smtClean="0"/>
-              <a:t>31/12/2022</a:t>
+              <a:t>08/04/2023</a:t>
             </a:fld>
             <a:endParaRPr lang="vi-VN"/>
           </a:p>
@@ -840,7 +845,7 @@
           <a:p>
             <a:fld id="{2CBEE1A7-D161-40B5-A5AF-45D1A6BBC527}" type="datetimeFigureOut">
               <a:rPr lang="vi-VN" smtClean="0"/>
-              <a:t>31/12/2022</a:t>
+              <a:t>08/04/2023</a:t>
             </a:fld>
             <a:endParaRPr lang="vi-VN"/>
           </a:p>
@@ -1086,7 +1091,7 @@
           <a:p>
             <a:fld id="{2CBEE1A7-D161-40B5-A5AF-45D1A6BBC527}" type="datetimeFigureOut">
               <a:rPr lang="vi-VN" smtClean="0"/>
-              <a:t>31/12/2022</a:t>
+              <a:t>08/04/2023</a:t>
             </a:fld>
             <a:endParaRPr lang="vi-VN"/>
           </a:p>
@@ -1374,7 +1379,7 @@
           <a:p>
             <a:fld id="{2CBEE1A7-D161-40B5-A5AF-45D1A6BBC527}" type="datetimeFigureOut">
               <a:rPr lang="vi-VN" smtClean="0"/>
-              <a:t>31/12/2022</a:t>
+              <a:t>08/04/2023</a:t>
             </a:fld>
             <a:endParaRPr lang="vi-VN"/>
           </a:p>
@@ -1796,7 +1801,7 @@
           <a:p>
             <a:fld id="{2CBEE1A7-D161-40B5-A5AF-45D1A6BBC527}" type="datetimeFigureOut">
               <a:rPr lang="vi-VN" smtClean="0"/>
-              <a:t>31/12/2022</a:t>
+              <a:t>08/04/2023</a:t>
             </a:fld>
             <a:endParaRPr lang="vi-VN"/>
           </a:p>
@@ -1914,7 +1919,7 @@
           <a:p>
             <a:fld id="{2CBEE1A7-D161-40B5-A5AF-45D1A6BBC527}" type="datetimeFigureOut">
               <a:rPr lang="vi-VN" smtClean="0"/>
-              <a:t>31/12/2022</a:t>
+              <a:t>08/04/2023</a:t>
             </a:fld>
             <a:endParaRPr lang="vi-VN"/>
           </a:p>
@@ -2009,7 +2014,7 @@
           <a:p>
             <a:fld id="{2CBEE1A7-D161-40B5-A5AF-45D1A6BBC527}" type="datetimeFigureOut">
               <a:rPr lang="vi-VN" smtClean="0"/>
-              <a:t>31/12/2022</a:t>
+              <a:t>08/04/2023</a:t>
             </a:fld>
             <a:endParaRPr lang="vi-VN"/>
           </a:p>
@@ -2286,7 +2291,7 @@
           <a:p>
             <a:fld id="{2CBEE1A7-D161-40B5-A5AF-45D1A6BBC527}" type="datetimeFigureOut">
               <a:rPr lang="vi-VN" smtClean="0"/>
-              <a:t>31/12/2022</a:t>
+              <a:t>08/04/2023</a:t>
             </a:fld>
             <a:endParaRPr lang="vi-VN"/>
           </a:p>
@@ -2543,7 +2548,7 @@
           <a:p>
             <a:fld id="{2CBEE1A7-D161-40B5-A5AF-45D1A6BBC527}" type="datetimeFigureOut">
               <a:rPr lang="vi-VN" smtClean="0"/>
-              <a:t>31/12/2022</a:t>
+              <a:t>08/04/2023</a:t>
             </a:fld>
             <a:endParaRPr lang="vi-VN"/>
           </a:p>
@@ -2761,7 +2766,7 @@
           <a:p>
             <a:fld id="{2CBEE1A7-D161-40B5-A5AF-45D1A6BBC527}" type="datetimeFigureOut">
               <a:rPr lang="vi-VN" smtClean="0"/>
-              <a:t>31/12/2022</a:t>
+              <a:t>08/04/2023</a:t>
             </a:fld>
             <a:endParaRPr lang="vi-VN"/>
           </a:p>
@@ -3175,7 +3180,7 @@
           </a:lstStyle>
           <a:p>
             <a:r>
-              <a:rPr lang="zh-CN" altLang="en-US" sz="7200" b="1" i="1" dirty="0">
+              <a:rPr lang="zh-CN" altLang="en-US" sz="4400" b="1" dirty="0">
                 <a:solidFill>
                   <a:srgbClr val="000066"/>
                 </a:solidFill>
@@ -3189,10 +3194,10 @@
                 <a:latin typeface="微軟正黑體" pitchFamily="34" charset="-120"/>
                 <a:ea typeface="微軟正黑體" pitchFamily="34" charset="-120"/>
               </a:rPr>
-              <a:t>讚</a:t>
-            </a:r>
-            <a:r>
-              <a:rPr lang="zh-CN" altLang="en-US" sz="7200" b="1" i="1" dirty="0">
+              <a:t>宣 </a:t>
+            </a:r>
+            <a:r>
+              <a:rPr lang="en-US" altLang="zh-CN" sz="4400" b="1" dirty="0" smtClean="0">
                 <a:solidFill>
                   <a:srgbClr val="000066"/>
                 </a:solidFill>
@@ -3206,9 +3211,60 @@
                 <a:latin typeface="微軟正黑體" pitchFamily="34" charset="-120"/>
                 <a:ea typeface="微軟正黑體" pitchFamily="34" charset="-120"/>
               </a:rPr>
+              <a:t>106</a:t>
+            </a:r>
+            <a:r>
+              <a:rPr lang="en-US" altLang="zh-CN" sz="7200" b="1" dirty="0" smtClean="0">
+                <a:solidFill>
+                  <a:srgbClr val="000066"/>
+                </a:solidFill>
+                <a:effectLst>
+                  <a:outerShdw blurRad="38100" dist="38100" dir="2700000" algn="tl">
+                    <a:srgbClr val="000000">
+                      <a:alpha val="43137"/>
+                    </a:srgbClr>
+                  </a:outerShdw>
+                </a:effectLst>
+                <a:latin typeface="微軟正黑體" pitchFamily="34" charset="-120"/>
+                <a:ea typeface="微軟正黑體" pitchFamily="34" charset="-120"/>
+              </a:rPr>
+              <a:t> </a:t>
+            </a:r>
+            <a:r>
+              <a:rPr lang="zh-CN" altLang="en-US" sz="7200" b="1" dirty="0" smtClean="0">
+                <a:solidFill>
+                  <a:srgbClr val="000066"/>
+                </a:solidFill>
+                <a:effectLst>
+                  <a:outerShdw blurRad="38100" dist="38100" dir="2700000" algn="tl">
+                    <a:srgbClr val="000000">
+                      <a:alpha val="43137"/>
+                    </a:srgbClr>
+                  </a:outerShdw>
+                </a:effectLst>
+                <a:latin typeface="微軟正黑體" pitchFamily="34" charset="-120"/>
+                <a:ea typeface="微軟正黑體" pitchFamily="34" charset="-120"/>
+              </a:rPr>
+              <a:t>讚</a:t>
+            </a:r>
+            <a:r>
+              <a:rPr lang="zh-CN" altLang="en-US" sz="7200" b="1" dirty="0">
+                <a:solidFill>
+                  <a:srgbClr val="000066"/>
+                </a:solidFill>
+                <a:effectLst>
+                  <a:outerShdw blurRad="38100" dist="38100" dir="2700000" algn="tl">
+                    <a:srgbClr val="000000">
+                      <a:alpha val="43137"/>
+                    </a:srgbClr>
+                  </a:outerShdw>
+                </a:effectLst>
+                <a:latin typeface="微軟正黑體" pitchFamily="34" charset="-120"/>
+                <a:ea typeface="微軟正黑體" pitchFamily="34" charset="-120"/>
+              </a:rPr>
               <a:t>美耶穌</a:t>
             </a:r>
-            <a:endParaRPr lang="zh-TW" altLang="en-US" sz="7200" b="1" i="1" dirty="0">
+            <a:endParaRPr lang="zh-TW" altLang="en-US" sz="7200" b="1" dirty="0">
               <a:solidFill>
                 <a:srgbClr val="000066"/>
               </a:solidFill>
@@ -3264,7 +3320,7 @@
           </a:lstStyle>
           <a:p>
             <a:r>
-              <a:rPr lang="vi-VN" sz="5400" b="1" i="1" dirty="0">
+              <a:rPr lang="vi-VN" altLang="zh-TW" sz="4800" b="1">
                 <a:solidFill>
                   <a:srgbClr val="660033"/>
                 </a:solidFill>
@@ -3279,9 +3335,81 @@
                 <a:ea typeface="微軟正黑體" pitchFamily="34" charset="-120"/>
                 <a:cs typeface="Calibri" panose="020F0502020204030204" pitchFamily="34" charset="0"/>
               </a:rPr>
-              <a:t>Tôn Vinh Chúa Tôi</a:t>
-            </a:r>
-            <a:endParaRPr lang="zh-TW" altLang="en-US" sz="5400" b="1" i="1" dirty="0">
+              <a:t>TC </a:t>
+            </a:r>
+            <a:r>
+              <a:rPr lang="vi-VN" altLang="zh-TW" sz="4800" b="1" smtClean="0">
+                <a:solidFill>
+                  <a:srgbClr val="660033"/>
+                </a:solidFill>
+                <a:effectLst>
+                  <a:outerShdw blurRad="38100" dist="38100" dir="2700000" algn="tl">
+                    <a:srgbClr val="000000">
+                      <a:alpha val="43137"/>
+                    </a:srgbClr>
+                  </a:outerShdw>
+                </a:effectLst>
+                <a:latin typeface="Calibri" panose="020F0502020204030204" pitchFamily="34" charset="0"/>
+                <a:ea typeface="微軟正黑體" pitchFamily="34" charset="-120"/>
+                <a:cs typeface="Calibri" panose="020F0502020204030204" pitchFamily="34" charset="0"/>
+              </a:rPr>
+              <a:t>19</a:t>
+            </a:r>
+            <a:r>
+              <a:rPr lang="vi-VN" altLang="zh-TW" sz="5400" b="1" smtClean="0">
+                <a:solidFill>
+                  <a:srgbClr val="660033"/>
+                </a:solidFill>
+                <a:effectLst>
+                  <a:outerShdw blurRad="38100" dist="38100" dir="2700000" algn="tl">
+                    <a:srgbClr val="000000">
+                      <a:alpha val="43137"/>
+                    </a:srgbClr>
+                  </a:outerShdw>
+                </a:effectLst>
+                <a:latin typeface="Calibri" panose="020F0502020204030204" pitchFamily="34" charset="0"/>
+                <a:ea typeface="微軟正黑體" pitchFamily="34" charset="-120"/>
+                <a:cs typeface="Calibri" panose="020F0502020204030204" pitchFamily="34" charset="0"/>
+              </a:rPr>
+              <a:t> </a:t>
+            </a:r>
+            <a:r>
+              <a:rPr lang="vi-VN" sz="5400" b="1" dirty="0" smtClean="0">
+                <a:solidFill>
+                  <a:srgbClr val="660033"/>
+                </a:solidFill>
+                <a:effectLst>
+                  <a:outerShdw blurRad="38100" dist="38100" dir="2700000" algn="tl">
+                    <a:srgbClr val="000000">
+                      <a:alpha val="43137"/>
+                    </a:srgbClr>
+                  </a:outerShdw>
+                </a:effectLst>
+                <a:latin typeface="Calibri" panose="020F0502020204030204" pitchFamily="34" charset="0"/>
+                <a:ea typeface="微軟正黑體" pitchFamily="34" charset="-120"/>
+                <a:cs typeface="Calibri" panose="020F0502020204030204" pitchFamily="34" charset="0"/>
+              </a:rPr>
+              <a:t>Tôn </a:t>
+            </a:r>
+            <a:r>
+              <a:rPr lang="vi-VN" sz="5400" b="1" dirty="0">
+                <a:solidFill>
+                  <a:srgbClr val="660033"/>
+                </a:solidFill>
+                <a:effectLst>
+                  <a:outerShdw blurRad="38100" dist="38100" dir="2700000" algn="tl">
+                    <a:srgbClr val="000000">
+                      <a:alpha val="43137"/>
+                    </a:srgbClr>
+                  </a:outerShdw>
+                </a:effectLst>
+                <a:latin typeface="Calibri" panose="020F0502020204030204" pitchFamily="34" charset="0"/>
+                <a:ea typeface="微軟正黑體" pitchFamily="34" charset="-120"/>
+                <a:cs typeface="Calibri" panose="020F0502020204030204" pitchFamily="34" charset="0"/>
+              </a:rPr>
+              <a:t>Vinh Chúa Tôi</a:t>
+            </a:r>
+            <a:endParaRPr lang="zh-TW" altLang="en-US" sz="5400" b="1" dirty="0">
               <a:solidFill>
                 <a:srgbClr val="660033"/>
               </a:solidFill>
@@ -3364,13 +3492,6 @@
               </a:rPr>
               <a:t>頌讚永歸耶穌聖名</a:t>
             </a:r>
-            <a:endParaRPr lang="zh-TW" altLang="en-US" sz="6400" b="1" dirty="0">
-              <a:solidFill>
-                <a:srgbClr val="000066"/>
-              </a:solidFill>
-              <a:latin typeface="Microsoft JhengHei" panose="020B0604030504040204" pitchFamily="34" charset="-120"/>
-              <a:ea typeface="Microsoft JhengHei" panose="020B0604030504040204" pitchFamily="34" charset="-120"/>
-            </a:endParaRPr>
           </a:p>
         </p:txBody>
       </p:sp>
@@ -3545,29 +3666,7 @@
                 <a:ea typeface="微軟正黑體" pitchFamily="34" charset="-120"/>
                 <a:cs typeface="Calibri" panose="020F0502020204030204" pitchFamily="34" charset="0"/>
               </a:rPr>
-              <a:t>Tuy trong lối đi </a:t>
-            </a:r>
-            <a:r>
-              <a:rPr lang="vi-VN" altLang="zh-TW" sz="4000" b="1" dirty="0">
-                <a:solidFill>
-                  <a:srgbClr val="660033"/>
-                </a:solidFill>
-                <a:latin typeface="Calibri" panose="020F0502020204030204" pitchFamily="34" charset="0"/>
-                <a:ea typeface="微軟正黑體" pitchFamily="34" charset="-120"/>
-                <a:cs typeface="Calibri" panose="020F0502020204030204" pitchFamily="34" charset="0"/>
-              </a:rPr>
-              <a:t>eo </a:t>
-            </a:r>
-            <a:r>
-              <a:rPr lang="vi-VN" altLang="zh-TW" sz="4000" b="1" dirty="0">
-                <a:solidFill>
-                  <a:srgbClr val="660033"/>
-                </a:solidFill>
-                <a:latin typeface="Calibri" panose="020F0502020204030204" pitchFamily="34" charset="0"/>
-                <a:ea typeface="微軟正黑體" pitchFamily="34" charset="-120"/>
-                <a:cs typeface="Calibri" panose="020F0502020204030204" pitchFamily="34" charset="0"/>
-              </a:rPr>
-              <a:t>hẹp cứ bước</a:t>
+              <a:t>Tuy trong lối đi eo hẹp cứ bước</a:t>
             </a:r>
             <a:endParaRPr lang="en-US" sz="4000" b="1" dirty="0">
               <a:solidFill>
@@ -3609,23 +3708,7 @@
                   <a:srgbClr val="000066"/>
                 </a:solidFill>
               </a:rPr>
-              <a:t>( </a:t>
-            </a:r>
-            <a:r>
-              <a:rPr lang="en-US" sz="3733" b="1" dirty="0">
-                <a:solidFill>
-                  <a:srgbClr val="000066"/>
-                </a:solidFill>
-              </a:rPr>
-              <a:t>2 / 4 </a:t>
-            </a:r>
-            <a:r>
-              <a:rPr lang="en-US" sz="3733" b="1" dirty="0">
-                <a:solidFill>
-                  <a:srgbClr val="000066"/>
-                </a:solidFill>
-              </a:rPr>
-              <a:t>)</a:t>
+              <a:t>( 2 / 4 )</a:t>
             </a:r>
             <a:endParaRPr lang="vi-VN" sz="3733" b="1" dirty="0">
               <a:solidFill>
@@ -3700,13 +3783,6 @@
               </a:rPr>
               <a:t>因主歡喜收罪人</a:t>
             </a:r>
-            <a:endParaRPr lang="zh-TW" altLang="en-US" sz="6400" b="1" dirty="0">
-              <a:solidFill>
-                <a:srgbClr val="000066"/>
-              </a:solidFill>
-              <a:latin typeface="Microsoft JhengHei" panose="020B0604030504040204" pitchFamily="34" charset="-120"/>
-              <a:ea typeface="Microsoft JhengHei" panose="020B0604030504040204" pitchFamily="34" charset="-120"/>
-            </a:endParaRPr>
           </a:p>
         </p:txBody>
       </p:sp>
@@ -3923,23 +3999,7 @@
                   <a:srgbClr val="000066"/>
                 </a:solidFill>
               </a:rPr>
-              <a:t>( </a:t>
-            </a:r>
-            <a:r>
-              <a:rPr lang="en-US" sz="3733" b="1" dirty="0">
-                <a:solidFill>
-                  <a:srgbClr val="000066"/>
-                </a:solidFill>
-              </a:rPr>
-              <a:t>2 / 4 </a:t>
-            </a:r>
-            <a:r>
-              <a:rPr lang="en-US" sz="3733" b="1" dirty="0">
-                <a:solidFill>
-                  <a:srgbClr val="000066"/>
-                </a:solidFill>
-              </a:rPr>
-              <a:t>)</a:t>
+              <a:t>( 2 / 4 )</a:t>
             </a:r>
             <a:endParaRPr lang="vi-VN" sz="3733" b="1" dirty="0">
               <a:solidFill>
@@ -4014,13 +4074,6 @@
               </a:rPr>
               <a:t>白白赦我一切罪惡</a:t>
             </a:r>
-            <a:endParaRPr lang="zh-TW" altLang="en-US" sz="6400" b="1" dirty="0">
-              <a:solidFill>
-                <a:srgbClr val="000066"/>
-              </a:solidFill>
-              <a:latin typeface="Microsoft JhengHei" panose="020B0604030504040204" pitchFamily="34" charset="-120"/>
-              <a:ea typeface="Microsoft JhengHei" panose="020B0604030504040204" pitchFamily="34" charset="-120"/>
-            </a:endParaRPr>
           </a:p>
         </p:txBody>
       </p:sp>
@@ -4195,29 +4248,7 @@
                 <a:ea typeface="微軟正黑體" pitchFamily="34" charset="-120"/>
                 <a:cs typeface="Calibri" panose="020F0502020204030204" pitchFamily="34" charset="0"/>
               </a:rPr>
-              <a:t>Bao phương châm kỳ </a:t>
-            </a:r>
-            <a:r>
-              <a:rPr lang="vi-VN" altLang="zh-TW" sz="4000" b="1" dirty="0">
-                <a:solidFill>
-                  <a:srgbClr val="660033"/>
-                </a:solidFill>
-                <a:latin typeface="Calibri" panose="020F0502020204030204" pitchFamily="34" charset="0"/>
-                <a:ea typeface="微軟正黑體" pitchFamily="34" charset="-120"/>
-                <a:cs typeface="Calibri" panose="020F0502020204030204" pitchFamily="34" charset="0"/>
-              </a:rPr>
-              <a:t>vọng luôn </a:t>
-            </a:r>
-            <a:r>
-              <a:rPr lang="vi-VN" altLang="zh-TW" sz="4000" b="1" dirty="0">
-                <a:solidFill>
-                  <a:srgbClr val="660033"/>
-                </a:solidFill>
-                <a:latin typeface="Calibri" panose="020F0502020204030204" pitchFamily="34" charset="0"/>
-                <a:ea typeface="微軟正黑體" pitchFamily="34" charset="-120"/>
-                <a:cs typeface="Calibri" panose="020F0502020204030204" pitchFamily="34" charset="0"/>
-              </a:rPr>
-              <a:t>sở ước</a:t>
+              <a:t>Bao phương châm kỳ vọng luôn sở ước</a:t>
             </a:r>
             <a:endParaRPr lang="en-US" sz="4000" b="1" dirty="0">
               <a:solidFill>
@@ -4259,23 +4290,7 @@
                   <a:srgbClr val="000066"/>
                 </a:solidFill>
               </a:rPr>
-              <a:t>( </a:t>
-            </a:r>
-            <a:r>
-              <a:rPr lang="en-US" sz="3733" b="1" dirty="0">
-                <a:solidFill>
-                  <a:srgbClr val="000066"/>
-                </a:solidFill>
-              </a:rPr>
-              <a:t>2 / 4 </a:t>
-            </a:r>
-            <a:r>
-              <a:rPr lang="en-US" sz="3733" b="1" dirty="0">
-                <a:solidFill>
-                  <a:srgbClr val="000066"/>
-                </a:solidFill>
-              </a:rPr>
-              <a:t>)</a:t>
+              <a:t>( 2 / 4 )</a:t>
             </a:r>
             <a:endParaRPr lang="vi-VN" sz="3733" b="1" dirty="0">
               <a:solidFill>
@@ -4350,13 +4365,6 @@
               </a:rPr>
               <a:t>洗浄我的汚穢心</a:t>
             </a:r>
-            <a:endParaRPr lang="zh-TW" altLang="en-US" sz="6400" b="1" dirty="0">
-              <a:solidFill>
-                <a:srgbClr val="000066"/>
-              </a:solidFill>
-              <a:latin typeface="Microsoft JhengHei" panose="020B0604030504040204" pitchFamily="34" charset="-120"/>
-              <a:ea typeface="Microsoft JhengHei" panose="020B0604030504040204" pitchFamily="34" charset="-120"/>
-            </a:endParaRPr>
           </a:p>
         </p:txBody>
       </p:sp>
@@ -4617,23 +4625,7 @@
                   <a:srgbClr val="000066"/>
                 </a:solidFill>
               </a:rPr>
-              <a:t>( </a:t>
-            </a:r>
-            <a:r>
-              <a:rPr lang="en-US" sz="3733" b="1" dirty="0">
-                <a:solidFill>
-                  <a:srgbClr val="000066"/>
-                </a:solidFill>
-              </a:rPr>
-              <a:t>2 / 4 </a:t>
-            </a:r>
-            <a:r>
-              <a:rPr lang="en-US" sz="3733" b="1" dirty="0">
-                <a:solidFill>
-                  <a:srgbClr val="000066"/>
-                </a:solidFill>
-              </a:rPr>
-              <a:t>)</a:t>
+              <a:t>( 2 / 4 )</a:t>
             </a:r>
             <a:endParaRPr lang="vi-VN" sz="3733" b="1" dirty="0">
               <a:solidFill>
@@ -4728,13 +4720,6 @@
               </a:rPr>
               <a:t>  讚美耶穌</a:t>
             </a:r>
-            <a:endParaRPr lang="zh-TW" altLang="en-US" sz="6400" b="1" dirty="0">
-              <a:solidFill>
-                <a:srgbClr val="000066"/>
-              </a:solidFill>
-              <a:latin typeface="Microsoft JhengHei" panose="020B0604030504040204" pitchFamily="34" charset="-120"/>
-              <a:ea typeface="Microsoft JhengHei" panose="020B0604030504040204" pitchFamily="34" charset="-120"/>
-            </a:endParaRPr>
           </a:p>
         </p:txBody>
       </p:sp>
@@ -4909,29 +4894,7 @@
                 <a:ea typeface="微軟正黑體" pitchFamily="34" charset="-120"/>
                 <a:cs typeface="Calibri" panose="020F0502020204030204" pitchFamily="34" charset="0"/>
               </a:rPr>
-              <a:t>Tôn vinh Chúa tôi! </a:t>
-            </a:r>
-            <a:r>
-              <a:rPr lang="vi-VN" altLang="zh-TW" sz="4000" b="1" dirty="0">
-                <a:solidFill>
-                  <a:srgbClr val="660033"/>
-                </a:solidFill>
-                <a:latin typeface="Calibri" panose="020F0502020204030204" pitchFamily="34" charset="0"/>
-                <a:ea typeface="微軟正黑體" pitchFamily="34" charset="-120"/>
-                <a:cs typeface="Calibri" panose="020F0502020204030204" pitchFamily="34" charset="0"/>
-              </a:rPr>
-              <a:t>Tôn </a:t>
-            </a:r>
-            <a:r>
-              <a:rPr lang="vi-VN" altLang="zh-TW" sz="4000" b="1" dirty="0">
-                <a:solidFill>
-                  <a:srgbClr val="660033"/>
-                </a:solidFill>
-                <a:latin typeface="Calibri" panose="020F0502020204030204" pitchFamily="34" charset="0"/>
-                <a:ea typeface="微軟正黑體" pitchFamily="34" charset="-120"/>
-                <a:cs typeface="Calibri" panose="020F0502020204030204" pitchFamily="34" charset="0"/>
-              </a:rPr>
-              <a:t>vinh Chúa tôi!</a:t>
+              <a:t>Tôn vinh Chúa tôi! Tôn vinh Chúa tôi!</a:t>
             </a:r>
             <a:endParaRPr lang="en-US" sz="4000" b="1" dirty="0">
               <a:solidFill>
@@ -5009,13 +4972,6 @@
               </a:rPr>
               <a:t>讚美主為罪人死</a:t>
             </a:r>
-            <a:endParaRPr lang="zh-TW" altLang="en-US" sz="6400" b="1" dirty="0">
-              <a:solidFill>
-                <a:srgbClr val="000066"/>
-              </a:solidFill>
-              <a:latin typeface="Microsoft JhengHei" panose="020B0604030504040204" pitchFamily="34" charset="-120"/>
-              <a:ea typeface="Microsoft JhengHei" panose="020B0604030504040204" pitchFamily="34" charset="-120"/>
-            </a:endParaRPr>
           </a:p>
         </p:txBody>
       </p:sp>
@@ -5268,13 +5224,6 @@
               </a:rPr>
               <a:t>萬民當將榮耀歸主</a:t>
             </a:r>
-            <a:endParaRPr lang="zh-TW" altLang="en-US" sz="6400" b="1" dirty="0">
-              <a:solidFill>
-                <a:srgbClr val="000066"/>
-              </a:solidFill>
-              <a:latin typeface="Microsoft JhengHei" panose="020B0604030504040204" pitchFamily="34" charset="-120"/>
-              <a:ea typeface="Microsoft JhengHei" panose="020B0604030504040204" pitchFamily="34" charset="-120"/>
-            </a:endParaRPr>
           </a:p>
         </p:txBody>
       </p:sp>
@@ -5547,13 +5496,6 @@
               </a:rPr>
               <a:t>罪汚</a:t>
             </a:r>
-            <a:endParaRPr lang="zh-TW" altLang="en-US" sz="6400" b="1" dirty="0">
-              <a:solidFill>
-                <a:srgbClr val="000066"/>
-              </a:solidFill>
-              <a:latin typeface="Microsoft JhengHei" panose="020B0604030504040204" pitchFamily="34" charset="-120"/>
-              <a:ea typeface="Microsoft JhengHei" panose="020B0604030504040204" pitchFamily="34" charset="-120"/>
-            </a:endParaRPr>
           </a:p>
         </p:txBody>
       </p:sp>
@@ -5806,13 +5748,6 @@
               </a:rPr>
               <a:t>前所懷抱追求盼望</a:t>
             </a:r>
-            <a:endParaRPr lang="zh-TW" altLang="en-US" sz="6400" b="1" dirty="0">
-              <a:solidFill>
-                <a:srgbClr val="000066"/>
-              </a:solidFill>
-              <a:latin typeface="Microsoft JhengHei" panose="020B0604030504040204" pitchFamily="34" charset="-120"/>
-              <a:ea typeface="Microsoft JhengHei" panose="020B0604030504040204" pitchFamily="34" charset="-120"/>
-            </a:endParaRPr>
           </a:p>
         </p:txBody>
       </p:sp>
@@ -6150,23 +6085,7 @@
                   <a:srgbClr val="000066"/>
                 </a:solidFill>
               </a:rPr>
-              <a:t>( </a:t>
-            </a:r>
-            <a:r>
-              <a:rPr lang="en-US" sz="3733" b="1" dirty="0">
-                <a:solidFill>
-                  <a:srgbClr val="000066"/>
-                </a:solidFill>
-              </a:rPr>
-              <a:t>3 / 4 </a:t>
-            </a:r>
-            <a:r>
-              <a:rPr lang="en-US" sz="3733" b="1" dirty="0">
-                <a:solidFill>
-                  <a:srgbClr val="000066"/>
-                </a:solidFill>
-              </a:rPr>
-              <a:t>)</a:t>
+              <a:t>( 3 / 4 )</a:t>
             </a:r>
             <a:endParaRPr lang="vi-VN" sz="3733" b="1" dirty="0">
               <a:solidFill>
@@ -6241,13 +6160,6 @@
               </a:rPr>
               <a:t>今都算足下灰塵</a:t>
             </a:r>
-            <a:endParaRPr lang="zh-TW" altLang="en-US" sz="6400" b="1" dirty="0">
-              <a:solidFill>
-                <a:srgbClr val="000066"/>
-              </a:solidFill>
-              <a:latin typeface="Microsoft JhengHei" panose="020B0604030504040204" pitchFamily="34" charset="-120"/>
-              <a:ea typeface="Microsoft JhengHei" panose="020B0604030504040204" pitchFamily="34" charset="-120"/>
-            </a:endParaRPr>
           </a:p>
         </p:txBody>
       </p:sp>
@@ -6596,23 +6508,7 @@
                   <a:srgbClr val="000066"/>
                 </a:solidFill>
               </a:rPr>
-              <a:t>( </a:t>
-            </a:r>
-            <a:r>
-              <a:rPr lang="en-US" sz="3733" b="1" dirty="0">
-                <a:solidFill>
-                  <a:srgbClr val="000066"/>
-                </a:solidFill>
-              </a:rPr>
-              <a:t>3 / 4 </a:t>
-            </a:r>
-            <a:r>
-              <a:rPr lang="en-US" sz="3733" b="1" dirty="0">
-                <a:solidFill>
-                  <a:srgbClr val="000066"/>
-                </a:solidFill>
-              </a:rPr>
-              <a:t>)</a:t>
+              <a:t>( 3 / 4 )</a:t>
             </a:r>
             <a:endParaRPr lang="vi-VN" sz="3733" b="1" dirty="0">
               <a:solidFill>
@@ -6685,17 +6581,7 @@
                 <a:latin typeface="微軟正黑體" pitchFamily="34" charset="-120"/>
                 <a:ea typeface="微軟正黑體" pitchFamily="34" charset="-120"/>
               </a:rPr>
-              <a:t>當</a:t>
-            </a:r>
-            <a:r>
-              <a:rPr lang="zh-TW" altLang="en-US" sz="6400" b="1" dirty="0">
-                <a:solidFill>
-                  <a:srgbClr val="000066"/>
-                </a:solidFill>
-                <a:latin typeface="微軟正黑體" pitchFamily="34" charset="-120"/>
-                <a:ea typeface="微軟正黑體" pitchFamily="34" charset="-120"/>
-              </a:rPr>
-              <a:t>我見那寶貴血泉</a:t>
+              <a:t>當我見那寶貴血泉</a:t>
             </a:r>
             <a:endParaRPr lang="en-US" altLang="zh-CN" sz="6400" b="1" dirty="0">
               <a:solidFill>
@@ -6920,23 +6806,7 @@
                   <a:srgbClr val="000066"/>
                 </a:solidFill>
               </a:rPr>
-              <a:t>( </a:t>
-            </a:r>
-            <a:r>
-              <a:rPr lang="en-US" sz="3733" b="1" dirty="0">
-                <a:solidFill>
-                  <a:srgbClr val="000066"/>
-                </a:solidFill>
-              </a:rPr>
-              <a:t>1 / 4 </a:t>
-            </a:r>
-            <a:r>
-              <a:rPr lang="en-US" sz="3733" b="1" dirty="0">
-                <a:solidFill>
-                  <a:srgbClr val="000066"/>
-                </a:solidFill>
-              </a:rPr>
-              <a:t>)</a:t>
+              <a:t>( 1 / 4 )</a:t>
             </a:r>
             <a:endParaRPr lang="vi-VN" sz="3733" b="1" dirty="0">
               <a:solidFill>
@@ -7011,13 +6881,6 @@
               </a:rPr>
               <a:t>路雖崎嶇敵雖兇猛</a:t>
             </a:r>
-            <a:endParaRPr lang="zh-TW" altLang="en-US" sz="6400" b="1" dirty="0">
-              <a:solidFill>
-                <a:srgbClr val="000066"/>
-              </a:solidFill>
-              <a:latin typeface="Microsoft JhengHei" panose="020B0604030504040204" pitchFamily="34" charset="-120"/>
-              <a:ea typeface="Microsoft JhengHei" panose="020B0604030504040204" pitchFamily="34" charset="-120"/>
-            </a:endParaRPr>
           </a:p>
         </p:txBody>
       </p:sp>
@@ -7344,23 +7207,7 @@
                   <a:srgbClr val="000066"/>
                 </a:solidFill>
               </a:rPr>
-              <a:t>( </a:t>
-            </a:r>
-            <a:r>
-              <a:rPr lang="en-US" sz="3733" b="1" dirty="0">
-                <a:solidFill>
-                  <a:srgbClr val="000066"/>
-                </a:solidFill>
-              </a:rPr>
-              <a:t>3 / 4 </a:t>
-            </a:r>
-            <a:r>
-              <a:rPr lang="en-US" sz="3733" b="1" dirty="0">
-                <a:solidFill>
-                  <a:srgbClr val="000066"/>
-                </a:solidFill>
-              </a:rPr>
-              <a:t>)</a:t>
+              <a:t>( 3 / 4 )</a:t>
             </a:r>
             <a:endParaRPr lang="vi-VN" sz="3733" b="1" dirty="0">
               <a:solidFill>
@@ -7435,13 +7282,6 @@
               </a:rPr>
               <a:t>仗主十架全得勝</a:t>
             </a:r>
-            <a:endParaRPr lang="zh-TW" altLang="en-US" sz="6400" b="1" dirty="0">
-              <a:solidFill>
-                <a:srgbClr val="000066"/>
-              </a:solidFill>
-              <a:latin typeface="Microsoft JhengHei" panose="020B0604030504040204" pitchFamily="34" charset="-120"/>
-              <a:ea typeface="Microsoft JhengHei" panose="020B0604030504040204" pitchFamily="34" charset="-120"/>
-            </a:endParaRPr>
           </a:p>
         </p:txBody>
       </p:sp>
@@ -7790,23 +7630,7 @@
                   <a:srgbClr val="000066"/>
                 </a:solidFill>
               </a:rPr>
-              <a:t>( </a:t>
-            </a:r>
-            <a:r>
-              <a:rPr lang="en-US" sz="3733" b="1" dirty="0">
-                <a:solidFill>
-                  <a:srgbClr val="000066"/>
-                </a:solidFill>
-              </a:rPr>
-              <a:t>3 / 4 </a:t>
-            </a:r>
-            <a:r>
-              <a:rPr lang="en-US" sz="3733" b="1" dirty="0">
-                <a:solidFill>
-                  <a:srgbClr val="000066"/>
-                </a:solidFill>
-              </a:rPr>
-              <a:t>)</a:t>
+              <a:t>( 3 / 4 )</a:t>
             </a:r>
             <a:endParaRPr lang="vi-VN" sz="3733" b="1" dirty="0">
               <a:solidFill>
@@ -7901,13 +7725,6 @@
               </a:rPr>
               <a:t>  讚美耶穌</a:t>
             </a:r>
-            <a:endParaRPr lang="zh-TW" altLang="en-US" sz="6400" b="1" dirty="0">
-              <a:solidFill>
-                <a:srgbClr val="000066"/>
-              </a:solidFill>
-              <a:latin typeface="Microsoft JhengHei" panose="020B0604030504040204" pitchFamily="34" charset="-120"/>
-              <a:ea typeface="Microsoft JhengHei" panose="020B0604030504040204" pitchFamily="34" charset="-120"/>
-            </a:endParaRPr>
           </a:p>
         </p:txBody>
       </p:sp>
@@ -8082,29 +7899,7 @@
                 <a:ea typeface="微軟正黑體" pitchFamily="34" charset="-120"/>
                 <a:cs typeface="Calibri" panose="020F0502020204030204" pitchFamily="34" charset="0"/>
               </a:rPr>
-              <a:t>Tôn vinh Chúa tôi! </a:t>
-            </a:r>
-            <a:r>
-              <a:rPr lang="vi-VN" altLang="zh-TW" sz="4000" b="1" dirty="0">
-                <a:solidFill>
-                  <a:srgbClr val="660033"/>
-                </a:solidFill>
-                <a:latin typeface="Calibri" panose="020F0502020204030204" pitchFamily="34" charset="0"/>
-                <a:ea typeface="微軟正黑體" pitchFamily="34" charset="-120"/>
-                <a:cs typeface="Calibri" panose="020F0502020204030204" pitchFamily="34" charset="0"/>
-              </a:rPr>
-              <a:t>Tôn </a:t>
-            </a:r>
-            <a:r>
-              <a:rPr lang="vi-VN" altLang="zh-TW" sz="4000" b="1" dirty="0">
-                <a:solidFill>
-                  <a:srgbClr val="660033"/>
-                </a:solidFill>
-                <a:latin typeface="Calibri" panose="020F0502020204030204" pitchFamily="34" charset="0"/>
-                <a:ea typeface="微軟正黑體" pitchFamily="34" charset="-120"/>
-                <a:cs typeface="Calibri" panose="020F0502020204030204" pitchFamily="34" charset="0"/>
-              </a:rPr>
-              <a:t>vinh Chúa tôi!</a:t>
+              <a:t>Tôn vinh Chúa tôi! Tôn vinh Chúa tôi!</a:t>
             </a:r>
             <a:endParaRPr lang="en-US" sz="4000" b="1" dirty="0">
               <a:solidFill>
@@ -8182,13 +7977,6 @@
               </a:rPr>
               <a:t>讚美主為罪人死</a:t>
             </a:r>
-            <a:endParaRPr lang="zh-TW" altLang="en-US" sz="6400" b="1" dirty="0">
-              <a:solidFill>
-                <a:srgbClr val="000066"/>
-              </a:solidFill>
-              <a:latin typeface="Microsoft JhengHei" panose="020B0604030504040204" pitchFamily="34" charset="-120"/>
-              <a:ea typeface="Microsoft JhengHei" panose="020B0604030504040204" pitchFamily="34" charset="-120"/>
-            </a:endParaRPr>
           </a:p>
         </p:txBody>
       </p:sp>
@@ -8441,13 +8229,6 @@
               </a:rPr>
               <a:t>萬民當將榮耀歸主</a:t>
             </a:r>
-            <a:endParaRPr lang="zh-TW" altLang="en-US" sz="6400" b="1" dirty="0">
-              <a:solidFill>
-                <a:srgbClr val="000066"/>
-              </a:solidFill>
-              <a:latin typeface="Microsoft JhengHei" panose="020B0604030504040204" pitchFamily="34" charset="-120"/>
-              <a:ea typeface="Microsoft JhengHei" panose="020B0604030504040204" pitchFamily="34" charset="-120"/>
-            </a:endParaRPr>
           </a:p>
         </p:txBody>
       </p:sp>
@@ -8720,13 +8501,6 @@
               </a:rPr>
               <a:t>罪汚</a:t>
             </a:r>
-            <a:endParaRPr lang="zh-TW" altLang="en-US" sz="6400" b="1" dirty="0">
-              <a:solidFill>
-                <a:srgbClr val="000066"/>
-              </a:solidFill>
-              <a:latin typeface="Microsoft JhengHei" panose="020B0604030504040204" pitchFamily="34" charset="-120"/>
-              <a:ea typeface="Microsoft JhengHei" panose="020B0604030504040204" pitchFamily="34" charset="-120"/>
-            </a:endParaRPr>
           </a:p>
         </p:txBody>
       </p:sp>
@@ -8999,13 +8773,6 @@
               </a:rPr>
               <a:t>天父</a:t>
             </a:r>
-            <a:endParaRPr lang="zh-TW" altLang="en-US" sz="6400" b="1" dirty="0">
-              <a:solidFill>
-                <a:srgbClr val="000066"/>
-              </a:solidFill>
-              <a:latin typeface="Microsoft JhengHei" panose="020B0604030504040204" pitchFamily="34" charset="-120"/>
-              <a:ea typeface="Microsoft JhengHei" panose="020B0604030504040204" pitchFamily="34" charset="-120"/>
-            </a:endParaRPr>
           </a:p>
         </p:txBody>
       </p:sp>
@@ -9376,23 +9143,7 @@
                   <a:srgbClr val="000066"/>
                 </a:solidFill>
               </a:rPr>
-              <a:t>( </a:t>
-            </a:r>
-            <a:r>
-              <a:rPr lang="en-US" sz="3733" b="1" dirty="0">
-                <a:solidFill>
-                  <a:srgbClr val="000066"/>
-                </a:solidFill>
-              </a:rPr>
-              <a:t>4 / 4 </a:t>
-            </a:r>
-            <a:r>
-              <a:rPr lang="en-US" sz="3733" b="1" dirty="0">
-                <a:solidFill>
-                  <a:srgbClr val="000066"/>
-                </a:solidFill>
-              </a:rPr>
-              <a:t>)</a:t>
+              <a:t>( 4 / 4 )</a:t>
             </a:r>
             <a:endParaRPr lang="vi-VN" sz="3733" b="1" dirty="0">
               <a:solidFill>
@@ -9467,13 +9218,6 @@
               </a:rPr>
               <a:t>榮耀榮耀歸耶穌</a:t>
             </a:r>
-            <a:endParaRPr lang="zh-TW" altLang="en-US" sz="6400" b="1" dirty="0">
-              <a:solidFill>
-                <a:srgbClr val="000066"/>
-              </a:solidFill>
-              <a:latin typeface="Microsoft JhengHei" panose="020B0604030504040204" pitchFamily="34" charset="-120"/>
-              <a:ea typeface="Microsoft JhengHei" panose="020B0604030504040204" pitchFamily="34" charset="-120"/>
-            </a:endParaRPr>
           </a:p>
         </p:txBody>
       </p:sp>
@@ -9800,23 +9544,7 @@
                   <a:srgbClr val="000066"/>
                 </a:solidFill>
               </a:rPr>
-              <a:t>( </a:t>
-            </a:r>
-            <a:r>
-              <a:rPr lang="en-US" sz="3733" b="1" dirty="0">
-                <a:solidFill>
-                  <a:srgbClr val="000066"/>
-                </a:solidFill>
-              </a:rPr>
-              <a:t>4 / 4 </a:t>
-            </a:r>
-            <a:r>
-              <a:rPr lang="en-US" sz="3733" b="1" dirty="0">
-                <a:solidFill>
-                  <a:srgbClr val="000066"/>
-                </a:solidFill>
-              </a:rPr>
-              <a:t>)</a:t>
+              <a:t>( 4 / 4 )</a:t>
             </a:r>
             <a:endParaRPr lang="vi-VN" sz="3733" b="1" dirty="0">
               <a:solidFill>
@@ -9911,13 +9639,6 @@
               </a:rPr>
               <a:t>聖靈</a:t>
             </a:r>
-            <a:endParaRPr lang="zh-TW" altLang="en-US" sz="6400" b="1" dirty="0">
-              <a:solidFill>
-                <a:srgbClr val="000066"/>
-              </a:solidFill>
-              <a:latin typeface="Microsoft JhengHei" panose="020B0604030504040204" pitchFamily="34" charset="-120"/>
-              <a:ea typeface="Microsoft JhengHei" panose="020B0604030504040204" pitchFamily="34" charset="-120"/>
-            </a:endParaRPr>
           </a:p>
         </p:txBody>
       </p:sp>
@@ -10288,23 +10009,7 @@
                   <a:srgbClr val="000066"/>
                 </a:solidFill>
               </a:rPr>
-              <a:t>( </a:t>
-            </a:r>
-            <a:r>
-              <a:rPr lang="en-US" sz="3733" b="1" dirty="0">
-                <a:solidFill>
-                  <a:srgbClr val="000066"/>
-                </a:solidFill>
-              </a:rPr>
-              <a:t>4 / 4 </a:t>
-            </a:r>
-            <a:r>
-              <a:rPr lang="en-US" sz="3733" b="1" dirty="0">
-                <a:solidFill>
-                  <a:srgbClr val="000066"/>
-                </a:solidFill>
-              </a:rPr>
-              <a:t>)</a:t>
+              <a:t>( 4 / 4 )</a:t>
             </a:r>
             <a:endParaRPr lang="vi-VN" sz="3733" b="1" dirty="0">
               <a:solidFill>
@@ -10399,13 +10104,6 @@
               </a:rPr>
               <a:t>三一主</a:t>
             </a:r>
-            <a:endParaRPr lang="zh-TW" altLang="en-US" sz="6400" b="1" dirty="0">
-              <a:solidFill>
-                <a:srgbClr val="000066"/>
-              </a:solidFill>
-              <a:latin typeface="Microsoft JhengHei" panose="020B0604030504040204" pitchFamily="34" charset="-120"/>
-              <a:ea typeface="Microsoft JhengHei" panose="020B0604030504040204" pitchFamily="34" charset="-120"/>
-            </a:endParaRPr>
           </a:p>
         </p:txBody>
       </p:sp>
@@ -10754,23 +10452,7 @@
                   <a:srgbClr val="000066"/>
                 </a:solidFill>
               </a:rPr>
-              <a:t>( </a:t>
-            </a:r>
-            <a:r>
-              <a:rPr lang="en-US" sz="3733" b="1" dirty="0">
-                <a:solidFill>
-                  <a:srgbClr val="000066"/>
-                </a:solidFill>
-              </a:rPr>
-              <a:t>4 / 4 </a:t>
-            </a:r>
-            <a:r>
-              <a:rPr lang="en-US" sz="3733" b="1" dirty="0">
-                <a:solidFill>
-                  <a:srgbClr val="000066"/>
-                </a:solidFill>
-              </a:rPr>
-              <a:t>)</a:t>
+              <a:t>( 4 / 4 )</a:t>
             </a:r>
             <a:endParaRPr lang="vi-VN" sz="3733" b="1" dirty="0">
               <a:solidFill>
@@ -11068,23 +10750,7 @@
                   <a:srgbClr val="000066"/>
                 </a:solidFill>
               </a:rPr>
-              <a:t>( </a:t>
-            </a:r>
-            <a:r>
-              <a:rPr lang="en-US" sz="3733" b="1" dirty="0">
-                <a:solidFill>
-                  <a:srgbClr val="000066"/>
-                </a:solidFill>
-              </a:rPr>
-              <a:t>1 / 4 </a:t>
-            </a:r>
-            <a:r>
-              <a:rPr lang="en-US" sz="3733" b="1" dirty="0">
-                <a:solidFill>
-                  <a:srgbClr val="000066"/>
-                </a:solidFill>
-              </a:rPr>
-              <a:t>)</a:t>
+              <a:t>( 1 / 4 )</a:t>
             </a:r>
             <a:endParaRPr lang="vi-VN" sz="3733" b="1" dirty="0">
               <a:solidFill>
@@ -11179,13 +10845,6 @@
               </a:rPr>
               <a:t>  讚美耶穌</a:t>
             </a:r>
-            <a:endParaRPr lang="zh-TW" altLang="en-US" sz="6400" b="1" dirty="0">
-              <a:solidFill>
-                <a:srgbClr val="000066"/>
-              </a:solidFill>
-              <a:latin typeface="Microsoft JhengHei" panose="020B0604030504040204" pitchFamily="34" charset="-120"/>
-              <a:ea typeface="Microsoft JhengHei" panose="020B0604030504040204" pitchFamily="34" charset="-120"/>
-            </a:endParaRPr>
           </a:p>
         </p:txBody>
       </p:sp>
@@ -11360,29 +11019,7 @@
                 <a:ea typeface="微軟正黑體" pitchFamily="34" charset="-120"/>
                 <a:cs typeface="Calibri" panose="020F0502020204030204" pitchFamily="34" charset="0"/>
               </a:rPr>
-              <a:t>Tôn vinh Chúa tôi! </a:t>
-            </a:r>
-            <a:r>
-              <a:rPr lang="vi-VN" altLang="zh-TW" sz="4000" b="1" dirty="0">
-                <a:solidFill>
-                  <a:srgbClr val="660033"/>
-                </a:solidFill>
-                <a:latin typeface="Calibri" panose="020F0502020204030204" pitchFamily="34" charset="0"/>
-                <a:ea typeface="微軟正黑體" pitchFamily="34" charset="-120"/>
-                <a:cs typeface="Calibri" panose="020F0502020204030204" pitchFamily="34" charset="0"/>
-              </a:rPr>
-              <a:t>Tôn </a:t>
-            </a:r>
-            <a:r>
-              <a:rPr lang="vi-VN" altLang="zh-TW" sz="4000" b="1" dirty="0">
-                <a:solidFill>
-                  <a:srgbClr val="660033"/>
-                </a:solidFill>
-                <a:latin typeface="Calibri" panose="020F0502020204030204" pitchFamily="34" charset="0"/>
-                <a:ea typeface="微軟正黑體" pitchFamily="34" charset="-120"/>
-                <a:cs typeface="Calibri" panose="020F0502020204030204" pitchFamily="34" charset="0"/>
-              </a:rPr>
-              <a:t>vinh Chúa tôi!</a:t>
+              <a:t>Tôn vinh Chúa tôi! Tôn vinh Chúa tôi!</a:t>
             </a:r>
             <a:endParaRPr lang="en-US" sz="4000" b="1" dirty="0">
               <a:solidFill>
@@ -11460,13 +11097,6 @@
               </a:rPr>
               <a:t>讚美主為罪人死</a:t>
             </a:r>
-            <a:endParaRPr lang="zh-TW" altLang="en-US" sz="6400" b="1" dirty="0">
-              <a:solidFill>
-                <a:srgbClr val="000066"/>
-              </a:solidFill>
-              <a:latin typeface="Microsoft JhengHei" panose="020B0604030504040204" pitchFamily="34" charset="-120"/>
-              <a:ea typeface="Microsoft JhengHei" panose="020B0604030504040204" pitchFamily="34" charset="-120"/>
-            </a:endParaRPr>
           </a:p>
         </p:txBody>
       </p:sp>
@@ -11719,13 +11349,6 @@
               </a:rPr>
               <a:t>萬民當將榮耀歸主</a:t>
             </a:r>
-            <a:endParaRPr lang="zh-TW" altLang="en-US" sz="6400" b="1" dirty="0">
-              <a:solidFill>
-                <a:srgbClr val="000066"/>
-              </a:solidFill>
-              <a:latin typeface="Microsoft JhengHei" panose="020B0604030504040204" pitchFamily="34" charset="-120"/>
-              <a:ea typeface="Microsoft JhengHei" panose="020B0604030504040204" pitchFamily="34" charset="-120"/>
-            </a:endParaRPr>
           </a:p>
         </p:txBody>
       </p:sp>
@@ -11998,13 +11621,6 @@
               </a:rPr>
               <a:t>罪汚</a:t>
             </a:r>
-            <a:endParaRPr lang="zh-TW" altLang="en-US" sz="6400" b="1" dirty="0">
-              <a:solidFill>
-                <a:srgbClr val="000066"/>
-              </a:solidFill>
-              <a:latin typeface="Microsoft JhengHei" panose="020B0604030504040204" pitchFamily="34" charset="-120"/>
-              <a:ea typeface="Microsoft JhengHei" panose="020B0604030504040204" pitchFamily="34" charset="-120"/>
-            </a:endParaRPr>
           </a:p>
         </p:txBody>
       </p:sp>
@@ -12257,13 +11873,6 @@
               </a:rPr>
               <a:t>心中隱聞聖靈微聲</a:t>
             </a:r>
-            <a:endParaRPr lang="zh-TW" altLang="en-US" sz="6400" b="1" dirty="0">
-              <a:solidFill>
-                <a:srgbClr val="000066"/>
-              </a:solidFill>
-              <a:latin typeface="Microsoft JhengHei" panose="020B0604030504040204" pitchFamily="34" charset="-120"/>
-              <a:ea typeface="Microsoft JhengHei" panose="020B0604030504040204" pitchFamily="34" charset="-120"/>
-            </a:endParaRPr>
           </a:p>
         </p:txBody>
       </p:sp>
@@ -12480,23 +12089,7 @@
                   <a:srgbClr val="000066"/>
                 </a:solidFill>
               </a:rPr>
-              <a:t>( </a:t>
-            </a:r>
-            <a:r>
-              <a:rPr lang="en-US" sz="3733" b="1" dirty="0">
-                <a:solidFill>
-                  <a:srgbClr val="000066"/>
-                </a:solidFill>
-              </a:rPr>
-              <a:t>1 / 4 </a:t>
-            </a:r>
-            <a:r>
-              <a:rPr lang="en-US" sz="3733" b="1" dirty="0">
-                <a:solidFill>
-                  <a:srgbClr val="000066"/>
-                </a:solidFill>
-              </a:rPr>
-              <a:t>)</a:t>
+              <a:t>( 1 / 4 )</a:t>
             </a:r>
             <a:endParaRPr lang="vi-VN" sz="3733" b="1" dirty="0">
               <a:solidFill>
@@ -12571,13 +12164,6 @@
               </a:rPr>
               <a:t>問説  你願否清潔</a:t>
             </a:r>
-            <a:endParaRPr lang="zh-TW" altLang="en-US" sz="6400" b="1" dirty="0">
-              <a:solidFill>
-                <a:srgbClr val="000066"/>
-              </a:solidFill>
-              <a:latin typeface="Microsoft JhengHei" panose="020B0604030504040204" pitchFamily="34" charset="-120"/>
-              <a:ea typeface="Microsoft JhengHei" panose="020B0604030504040204" pitchFamily="34" charset="-120"/>
-            </a:endParaRPr>
           </a:p>
         </p:txBody>
       </p:sp>
@@ -12752,29 +12338,7 @@
                 <a:ea typeface="微軟正黑體" pitchFamily="34" charset="-120"/>
                 <a:cs typeface="Calibri" panose="020F0502020204030204" pitchFamily="34" charset="0"/>
               </a:rPr>
-              <a:t>Muốn chăng </a:t>
-            </a:r>
-            <a:r>
-              <a:rPr lang="vi-VN" altLang="zh-TW" sz="4000" b="1" dirty="0">
-                <a:solidFill>
-                  <a:srgbClr val="660033"/>
-                </a:solidFill>
-                <a:latin typeface="Calibri" panose="020F0502020204030204" pitchFamily="34" charset="0"/>
-                <a:ea typeface="微軟正黑體" pitchFamily="34" charset="-120"/>
-                <a:cs typeface="Calibri" panose="020F0502020204030204" pitchFamily="34" charset="0"/>
-              </a:rPr>
-              <a:t>lòng </a:t>
-            </a:r>
-            <a:r>
-              <a:rPr lang="vi-VN" altLang="zh-TW" sz="4000" b="1" dirty="0">
-                <a:solidFill>
-                  <a:srgbClr val="660033"/>
-                </a:solidFill>
-                <a:latin typeface="Calibri" panose="020F0502020204030204" pitchFamily="34" charset="0"/>
-                <a:ea typeface="微軟正黑體" pitchFamily="34" charset="-120"/>
-                <a:cs typeface="Calibri" panose="020F0502020204030204" pitchFamily="34" charset="0"/>
-              </a:rPr>
-              <a:t>trắng trong hiện giờ</a:t>
+              <a:t>Muốn chăng lòng trắng trong hiện giờ</a:t>
             </a:r>
             <a:endParaRPr lang="en-US" sz="4000" b="1" dirty="0">
               <a:solidFill>
@@ -12816,23 +12380,7 @@
                   <a:srgbClr val="000066"/>
                 </a:solidFill>
               </a:rPr>
-              <a:t>( </a:t>
-            </a:r>
-            <a:r>
-              <a:rPr lang="en-US" sz="3733" b="1" dirty="0">
-                <a:solidFill>
-                  <a:srgbClr val="000066"/>
-                </a:solidFill>
-              </a:rPr>
-              <a:t>1 / 4 </a:t>
-            </a:r>
-            <a:r>
-              <a:rPr lang="en-US" sz="3733" b="1" dirty="0">
-                <a:solidFill>
-                  <a:srgbClr val="000066"/>
-                </a:solidFill>
-              </a:rPr>
-              <a:t>)</a:t>
+              <a:t>( 1 / 4 )</a:t>
             </a:r>
             <a:endParaRPr lang="vi-VN" sz="3733" b="1" dirty="0">
               <a:solidFill>
@@ -12927,13 +12475,6 @@
               </a:rPr>
               <a:t>  讚美耶穌</a:t>
             </a:r>
-            <a:endParaRPr lang="zh-TW" altLang="en-US" sz="6400" b="1" dirty="0">
-              <a:solidFill>
-                <a:srgbClr val="000066"/>
-              </a:solidFill>
-              <a:latin typeface="Microsoft JhengHei" panose="020B0604030504040204" pitchFamily="34" charset="-120"/>
-              <a:ea typeface="Microsoft JhengHei" panose="020B0604030504040204" pitchFamily="34" charset="-120"/>
-            </a:endParaRPr>
           </a:p>
         </p:txBody>
       </p:sp>
@@ -13108,29 +12649,7 @@
                 <a:ea typeface="微軟正黑體" pitchFamily="34" charset="-120"/>
                 <a:cs typeface="Calibri" panose="020F0502020204030204" pitchFamily="34" charset="0"/>
               </a:rPr>
-              <a:t>Tôn vinh Chúa tôi! </a:t>
-            </a:r>
-            <a:r>
-              <a:rPr lang="vi-VN" altLang="zh-TW" sz="4000" b="1" dirty="0">
-                <a:solidFill>
-                  <a:srgbClr val="660033"/>
-                </a:solidFill>
-                <a:latin typeface="Calibri" panose="020F0502020204030204" pitchFamily="34" charset="0"/>
-                <a:ea typeface="微軟正黑體" pitchFamily="34" charset="-120"/>
-                <a:cs typeface="Calibri" panose="020F0502020204030204" pitchFamily="34" charset="0"/>
-              </a:rPr>
-              <a:t>Tôn </a:t>
-            </a:r>
-            <a:r>
-              <a:rPr lang="vi-VN" altLang="zh-TW" sz="4000" b="1" dirty="0">
-                <a:solidFill>
-                  <a:srgbClr val="660033"/>
-                </a:solidFill>
-                <a:latin typeface="Calibri" panose="020F0502020204030204" pitchFamily="34" charset="0"/>
-                <a:ea typeface="微軟正黑體" pitchFamily="34" charset="-120"/>
-                <a:cs typeface="Calibri" panose="020F0502020204030204" pitchFamily="34" charset="0"/>
-              </a:rPr>
-              <a:t>vinh Chúa tôi!</a:t>
+              <a:t>Tôn vinh Chúa tôi! Tôn vinh Chúa tôi!</a:t>
             </a:r>
             <a:endParaRPr lang="en-US" sz="4000" b="1" dirty="0">
               <a:solidFill>
@@ -13208,13 +12727,6 @@
               </a:rPr>
               <a:t>讚美主為罪人死</a:t>
             </a:r>
-            <a:endParaRPr lang="zh-TW" altLang="en-US" sz="6400" b="1" dirty="0">
-              <a:solidFill>
-                <a:srgbClr val="000066"/>
-              </a:solidFill>
-              <a:latin typeface="Microsoft JhengHei" panose="020B0604030504040204" pitchFamily="34" charset="-120"/>
-              <a:ea typeface="Microsoft JhengHei" panose="020B0604030504040204" pitchFamily="34" charset="-120"/>
-            </a:endParaRPr>
           </a:p>
         </p:txBody>
       </p:sp>
@@ -13467,13 +12979,6 @@
               </a:rPr>
               <a:t>萬民當將榮耀歸主</a:t>
             </a:r>
-            <a:endParaRPr lang="zh-TW" altLang="en-US" sz="6400" b="1" dirty="0">
-              <a:solidFill>
-                <a:srgbClr val="000066"/>
-              </a:solidFill>
-              <a:latin typeface="Microsoft JhengHei" panose="020B0604030504040204" pitchFamily="34" charset="-120"/>
-              <a:ea typeface="Microsoft JhengHei" panose="020B0604030504040204" pitchFamily="34" charset="-120"/>
-            </a:endParaRPr>
           </a:p>
         </p:txBody>
       </p:sp>
@@ -13746,13 +13251,6 @@
               </a:rPr>
               <a:t>罪汚</a:t>
             </a:r>
-            <a:endParaRPr lang="zh-TW" altLang="en-US" sz="6400" b="1" dirty="0">
-              <a:solidFill>
-                <a:srgbClr val="000066"/>
-              </a:solidFill>
-              <a:latin typeface="Microsoft JhengHei" panose="020B0604030504040204" pitchFamily="34" charset="-120"/>
-              <a:ea typeface="Microsoft JhengHei" panose="020B0604030504040204" pitchFamily="34" charset="-120"/>
-            </a:endParaRPr>
           </a:p>
         </p:txBody>
       </p:sp>
